--- a/slide_decks/Correlation-Regression-demo2.pptx
+++ b/slide_decks/Correlation-Regression-demo2.pptx
@@ -227,7 +227,7 @@
           <a:p>
             <a:fld id="{3AAC5A33-4D89-D146-896C-92B4E203FD74}" type="datetimeFigureOut">
               <a:rPr lang="en-US" smtClean="0"/>
-              <a:t>10/28/25</a:t>
+              <a:t>10/31/25</a:t>
             </a:fld>
             <a:endParaRPr lang="en-US"/>
           </a:p>
@@ -540,7 +540,7 @@
           <a:p>
             <a:r>
               <a:rPr lang="en-CA" dirty="0"/>
-              <a:t>Now that we’ve seen how to discover structure in unlabeled data, the focus of this second demonstration will be how we can make predictions when we </a:t>
+              <a:t>Now that we’ve seen how to discover underlying patterns in unlabeled data, the focus of this second demonstration will be how we can make predictions when we </a:t>
             </a:r>
             <a:r>
               <a:rPr lang="en-CA" i="1" dirty="0"/>
@@ -548,7 +548,7 @@
             </a:r>
             <a:r>
               <a:rPr lang="en-CA" dirty="0"/>
-              <a:t> have outcomes.</a:t>
+              <a:t> have a response variable.</a:t>
             </a:r>
           </a:p>
           <a:p>
@@ -1680,7 +1680,7 @@
                 <a:effectLst/>
                 <a:latin typeface="Arial" panose="020B0604020202020204" pitchFamily="34" charset="0"/>
               </a:rPr>
-              <a:t>So, for a 2,000 square-foot house, the predicted sale price is approx. </a:t>
+              <a:t>So, if we plug our x into the equation, 2,000 square-foot house, the predicted sale price is approx. </a:t>
             </a:r>
             <a:r>
               <a:rPr lang="en-CA" sz="1800" b="1" i="0" u="none" strike="noStrike" dirty="0">
@@ -2096,69 +2096,72 @@
                 <a:effectLst/>
                 <a:latin typeface="Arial" panose="020B0604020202020204" pitchFamily="34" charset="0"/>
               </a:rPr>
-              <a:t>The </a:t>
-            </a:r>
-            <a:r>
-              <a:rPr lang="en-CA" sz="1800" b="1" i="0" u="none" strike="noStrike" dirty="0">
-                <a:solidFill>
-                  <a:srgbClr val="000000"/>
-                </a:solidFill>
-                <a:effectLst/>
-                <a:latin typeface="Arial" panose="020B0604020202020204" pitchFamily="34" charset="0"/>
-              </a:rPr>
+              <a:t>In simple terms, the </a:t>
+            </a:r>
+            <a:r>
+              <a:rPr lang="en-CA" sz="2800" b="1" dirty="0"/>
               <a:t>line of best fit</a:t>
             </a:r>
             <a:r>
-              <a:rPr lang="en-CA" sz="1800" b="0" i="0" u="none" strike="noStrike" dirty="0">
-                <a:solidFill>
-                  <a:srgbClr val="000000"/>
-                </a:solidFill>
-                <a:effectLst/>
-                <a:latin typeface="Arial" panose="020B0604020202020204" pitchFamily="34" charset="0"/>
-              </a:rPr>
-              <a:t> is the line that minimizes the </a:t>
-            </a:r>
-            <a:r>
-              <a:rPr lang="en-CA" sz="1800" b="1" i="0" u="none" strike="noStrike" dirty="0">
-                <a:solidFill>
-                  <a:srgbClr val="000000"/>
-                </a:solidFill>
-                <a:effectLst/>
-                <a:latin typeface="Arial" panose="020B0604020202020204" pitchFamily="34" charset="0"/>
-              </a:rPr>
-              <a:t>error</a:t>
-            </a:r>
-            <a:r>
-              <a:rPr lang="en-CA" sz="1800" b="0" i="0" u="none" strike="noStrike" dirty="0">
-                <a:solidFill>
-                  <a:srgbClr val="000000"/>
-                </a:solidFill>
-                <a:effectLst/>
-                <a:latin typeface="Arial" panose="020B0604020202020204" pitchFamily="34" charset="0"/>
-              </a:rPr>
-              <a:t> between the predicted values and the actual data points. In other words, we are looking for the line that has the </a:t>
-            </a:r>
-            <a:r>
-              <a:rPr lang="en-CA" sz="1800" b="1" i="0" u="none" strike="noStrike" dirty="0">
-                <a:solidFill>
-                  <a:srgbClr val="000000"/>
-                </a:solidFill>
-                <a:effectLst/>
-                <a:latin typeface="Arial" panose="020B0604020202020204" pitchFamily="34" charset="0"/>
-              </a:rPr>
-              <a:t>smallest total distance</a:t>
-            </a:r>
-            <a:r>
-              <a:rPr lang="en-CA" sz="1800" b="0" i="0" u="none" strike="noStrike" dirty="0">
-                <a:solidFill>
-                  <a:srgbClr val="000000"/>
-                </a:solidFill>
-                <a:effectLst/>
-                <a:latin typeface="Arial" panose="020B0604020202020204" pitchFamily="34" charset="0"/>
-              </a:rPr>
-              <a:t> from the data points.</a:t>
-            </a:r>
-            <a:endParaRPr lang="en-US" dirty="0"/>
+              <a:rPr lang="en-CA" sz="2800" dirty="0"/>
+              <a:t> is the straight line that comes </a:t>
+            </a:r>
+            <a:r>
+              <a:rPr lang="en-CA" sz="2800" i="1" dirty="0"/>
+              <a:t>closest</a:t>
+            </a:r>
+            <a:r>
+              <a:rPr lang="en-CA" sz="2800" dirty="0"/>
+              <a:t> to all the points on a scatter plot.</a:t>
+            </a:r>
+            <a:br>
+              <a:rPr lang="en-CA" sz="2800" dirty="0"/>
+            </a:br>
+            <a:r>
+              <a:rPr lang="en-CA" sz="2800" dirty="0"/>
+              <a:t>The line is “best” because it’s drawn in a way that makes the </a:t>
+            </a:r>
+            <a:r>
+              <a:rPr lang="en-CA" sz="2800" b="1" dirty="0"/>
+              <a:t>predicted values</a:t>
+            </a:r>
+            <a:r>
+              <a:rPr lang="en-CA" sz="2800" dirty="0"/>
+              <a:t> from the line as close as possible to the </a:t>
+            </a:r>
+            <a:r>
+              <a:rPr lang="en-CA" sz="2800" b="1" dirty="0"/>
+              <a:t>actual data points</a:t>
+            </a:r>
+            <a:r>
+              <a:rPr lang="en-CA" sz="2800" dirty="0"/>
+              <a:t>.</a:t>
+            </a:r>
+            <a:br>
+              <a:rPr lang="en-CA" sz="2800" dirty="0"/>
+            </a:br>
+            <a:r>
+              <a:rPr lang="en-CA" sz="2800" dirty="0"/>
+              <a:t>In other words, it tries to keep the gaps between the real points and the line (the errors) as small as possible on average.</a:t>
+            </a:r>
+          </a:p>
+          <a:p>
+            <a:endParaRPr lang="en-CA" sz="1800" b="0" i="0" u="none" strike="noStrike" dirty="0">
+              <a:solidFill>
+                <a:srgbClr val="000000"/>
+              </a:solidFill>
+              <a:effectLst/>
+              <a:latin typeface="Arial" panose="020B0604020202020204" pitchFamily="34" charset="0"/>
+            </a:endParaRPr>
+          </a:p>
+          <a:p>
+            <a:endParaRPr lang="en-CA" sz="1800" b="0" i="0" u="none" strike="noStrike" dirty="0">
+              <a:solidFill>
+                <a:srgbClr val="000000"/>
+              </a:solidFill>
+              <a:effectLst/>
+              <a:latin typeface="Arial" panose="020B0604020202020204" pitchFamily="34" charset="0"/>
+            </a:endParaRPr>
           </a:p>
         </p:txBody>
       </p:sp>
@@ -2450,7 +2453,7 @@
             </a:r>
             <a:r>
               <a:rPr lang="en-CA" sz="4000" dirty="0"/>
-              <a:t> tells us how accurate the predictions are, on average, for new or unseen data.</a:t>
+              <a:t> tells us how accurate the predictions are, on average.</a:t>
             </a:r>
           </a:p>
           <a:p>
@@ -2648,7 +2651,7 @@
             </a:r>
             <a:r>
               <a:rPr lang="en-CA" dirty="0"/>
-              <a:t>, like combining </a:t>
+              <a:t>, also known as multivariable linear regression, so combining </a:t>
             </a:r>
             <a:r>
               <a:rPr lang="en-CA" b="1" dirty="0"/>
@@ -2656,7 +2659,7 @@
             </a:r>
             <a:r>
               <a:rPr lang="en-CA" dirty="0"/>
-              <a:t> and </a:t>
+              <a:t> and maybe  </a:t>
             </a:r>
             <a:r>
               <a:rPr lang="en-CA" b="1" dirty="0"/>
@@ -3166,7 +3169,7 @@
             </a:r>
             <a:r>
               <a:rPr lang="en-CA" dirty="0"/>
-              <a:t> and save it as a data frame called </a:t>
+              <a:t> and assign it to a variable called </a:t>
             </a:r>
             <a:r>
               <a:rPr lang="en-CA" dirty="0" err="1"/>
@@ -3952,7 +3955,7 @@
           <a:p>
             <a:r>
               <a:rPr lang="en-CA" dirty="0"/>
-              <a:t>If we check the coefficients component, we can see the two main numbers that define our line of best fit:</a:t>
+              <a:t>If we check the coefficients component by indexing it, we can see the two main numbers that define our line of best fit:</a:t>
             </a:r>
           </a:p>
           <a:p>
@@ -4239,7 +4242,7 @@
             </a:br>
             <a:r>
               <a:rPr lang="en-CA" dirty="0"/>
-              <a:t>We start by adding a </a:t>
+              <a:t>We start by adding a layer to specify a </a:t>
             </a:r>
             <a:r>
               <a:rPr lang="en-CA" b="1" dirty="0"/>
@@ -4247,7 +4250,7 @@
             </a:r>
             <a:r>
               <a:rPr lang="en-CA" dirty="0"/>
-              <a:t> layer using </a:t>
+              <a:t> using </a:t>
             </a:r>
             <a:r>
               <a:rPr lang="en-CA" dirty="0" err="1"/>
@@ -4264,7 +4267,7 @@
             </a:br>
             <a:r>
               <a:rPr lang="en-CA" dirty="0"/>
-              <a:t>Then, we add a </a:t>
+              <a:t>Then, we add another layer for our </a:t>
             </a:r>
             <a:r>
               <a:rPr lang="en-CA" b="1" dirty="0"/>
@@ -4272,7 +4275,7 @@
             </a:r>
             <a:r>
               <a:rPr lang="en-CA" dirty="0"/>
-              <a:t> using the </a:t>
+              <a:t> using </a:t>
             </a:r>
             <a:r>
               <a:rPr lang="en-CA" dirty="0" err="1"/>
@@ -4280,7 +4283,7 @@
             </a:r>
             <a:r>
               <a:rPr lang="en-CA" dirty="0"/>
-              <a:t>() function, with the argument </a:t>
+              <a:t>(), with the argument </a:t>
             </a:r>
             <a:r>
               <a:rPr lang="en-CA" b="1" dirty="0"/>
@@ -4313,7 +4316,7 @@
             </a:br>
             <a:r>
               <a:rPr lang="en-CA" dirty="0"/>
-              <a:t>This line of best fit captures the trend our model just estimated — how price tends to increase as house size gets larger.</a:t>
+              <a:t>This line of best fit captures the trend our model we just estimated — how price tends to increase as house size gets larger.</a:t>
             </a:r>
           </a:p>
           <a:p>
@@ -4580,7 +4583,7 @@
             </a:r>
             <a:r>
               <a:rPr lang="en-CA" sz="4000" dirty="0"/>
-              <a:t> of those squared errors.</a:t>
+              <a:t> of those squared errors using the mean function</a:t>
             </a:r>
           </a:p>
           <a:p>
@@ -4598,7 +4601,7 @@
             </a:r>
             <a:r>
               <a:rPr lang="en-CA" sz="4000" dirty="0"/>
-              <a:t> to bring the number back to the original units — in this case, dollars.</a:t>
+              <a:t> using the square root function to bring the number back to the original units — in this case, dollars.</a:t>
             </a:r>
           </a:p>
           <a:p>
@@ -4875,7 +4878,7 @@
           <a:p>
             <a:r>
               <a:rPr lang="en-CA" dirty="0"/>
-              <a:t>We can access it by calling summary(lin_reg) — which calculates several derived statistics, including R².”</a:t>
+              <a:t>We can access it by calling the summary function on our model — which calculates several derived statistics, including this R squared component that we could index.”</a:t>
             </a:r>
             <a:br>
               <a:rPr lang="en-CA" dirty="0"/>
@@ -4925,7 +4928,7 @@
             </a:r>
             <a:r>
               <a:rPr lang="en-CA" dirty="0"/>
-              <a:t>, R² is literally the square of the correlation between the observed and predicted values.”</a:t>
+              <a:t>, R² is literally the square of the correlation coefficient between the observed and predicted values.”</a:t>
             </a:r>
           </a:p>
           <a:p>
@@ -5155,6 +5158,9 @@
             </a:r>
           </a:p>
           <a:p>
+            <a:endParaRPr lang="en-CA" dirty="0"/>
+          </a:p>
+          <a:p>
             <a:r>
               <a:rPr lang="en-CA" dirty="0"/>
               <a:t>Specifically, linear regression uses information about the </a:t>
@@ -5351,6 +5357,104 @@
 </file>
 
 <file path=ppt/notesSlides/notesSlide26.xml><?xml version="1.0" encoding="utf-8"?>
+<p:notes xmlns:a="http://schemas.openxmlformats.org/drawingml/2006/main" xmlns:r="http://schemas.openxmlformats.org/officeDocument/2006/relationships" xmlns:p="http://schemas.openxmlformats.org/presentationml/2006/main">
+  <p:cSld>
+    <p:spTree>
+      <p:nvGrpSpPr>
+        <p:cNvPr id="1" name=""/>
+        <p:cNvGrpSpPr/>
+        <p:nvPr/>
+      </p:nvGrpSpPr>
+      <p:grpSpPr>
+        <a:xfrm>
+          <a:off x="0" y="0"/>
+          <a:ext cx="0" cy="0"/>
+          <a:chOff x="0" y="0"/>
+          <a:chExt cx="0" cy="0"/>
+        </a:xfrm>
+      </p:grpSpPr>
+      <p:sp>
+        <p:nvSpPr>
+          <p:cNvPr id="2" name="Slide Image Placeholder 1"/>
+          <p:cNvSpPr>
+            <a:spLocks noGrp="1" noRot="1" noChangeAspect="1"/>
+          </p:cNvSpPr>
+          <p:nvPr>
+            <p:ph type="sldImg"/>
+          </p:nvPr>
+        </p:nvSpPr>
+        <p:spPr/>
+      </p:sp>
+      <p:sp>
+        <p:nvSpPr>
+          <p:cNvPr id="3" name="Notes Placeholder 2"/>
+          <p:cNvSpPr>
+            <a:spLocks noGrp="1"/>
+          </p:cNvSpPr>
+          <p:nvPr>
+            <p:ph type="body" idx="1"/>
+          </p:nvPr>
+        </p:nvSpPr>
+        <p:spPr/>
+        <p:txBody>
+          <a:bodyPr/>
+          <a:lstStyle/>
+          <a:p>
+            <a:r>
+              <a:rPr lang="en-US" dirty="0"/>
+              <a:t>Once again, </a:t>
+            </a:r>
+            <a:r>
+              <a:rPr lang="en-CA" dirty="0"/>
+              <a:t>if you’d like to explore these materials later, I’ve shared everything in my GitHub repository. You can scan the QR code on the slide to access it directly!</a:t>
+            </a:r>
+          </a:p>
+          <a:p>
+            <a:r>
+              <a:rPr lang="en-CA" dirty="0"/>
+              <a:t>Thank you so much and id be happy to take any questions</a:t>
+            </a:r>
+            <a:endParaRPr lang="en-US" dirty="0"/>
+          </a:p>
+        </p:txBody>
+      </p:sp>
+      <p:sp>
+        <p:nvSpPr>
+          <p:cNvPr id="4" name="Slide Number Placeholder 3"/>
+          <p:cNvSpPr>
+            <a:spLocks noGrp="1"/>
+          </p:cNvSpPr>
+          <p:nvPr>
+            <p:ph type="sldNum" sz="quarter" idx="5"/>
+          </p:nvPr>
+        </p:nvSpPr>
+        <p:spPr/>
+        <p:txBody>
+          <a:bodyPr/>
+          <a:lstStyle/>
+          <a:p>
+            <a:fld id="{BDEC409A-6EC9-B941-BC41-C561F1F9298C}" type="slidenum">
+              <a:rPr lang="en-US" smtClean="0"/>
+              <a:t>26</a:t>
+            </a:fld>
+            <a:endParaRPr lang="en-US"/>
+          </a:p>
+        </p:txBody>
+      </p:sp>
+    </p:spTree>
+    <p:extLst>
+      <p:ext uri="{BB962C8B-B14F-4D97-AF65-F5344CB8AC3E}">
+        <p14:creationId xmlns:p14="http://schemas.microsoft.com/office/powerpoint/2010/main" val="165553000"/>
+      </p:ext>
+    </p:extLst>
+  </p:cSld>
+  <p:clrMapOvr>
+    <a:masterClrMapping/>
+  </p:clrMapOvr>
+</p:notes>
+</file>
+
+<file path=ppt/notesSlides/notesSlide27.xml><?xml version="1.0" encoding="utf-8"?>
 <p:notes xmlns:a="http://schemas.openxmlformats.org/drawingml/2006/main" xmlns:r="http://schemas.openxmlformats.org/officeDocument/2006/relationships" xmlns:p="http://schemas.openxmlformats.org/presentationml/2006/main">
   <p:cSld>
     <p:spTree>
@@ -5553,7 +5657,7 @@
 </p:notes>
 </file>
 
-<file path=ppt/notesSlides/notesSlide27.xml><?xml version="1.0" encoding="utf-8"?>
+<file path=ppt/notesSlides/notesSlide28.xml><?xml version="1.0" encoding="utf-8"?>
 <p:notes xmlns:a="http://schemas.openxmlformats.org/drawingml/2006/main" xmlns:r="http://schemas.openxmlformats.org/officeDocument/2006/relationships" xmlns:p="http://schemas.openxmlformats.org/presentationml/2006/main">
   <p:cSld>
     <p:spTree>
@@ -5950,7 +6054,7 @@
 </p:notes>
 </file>
 
-<file path=ppt/notesSlides/notesSlide28.xml><?xml version="1.0" encoding="utf-8"?>
+<file path=ppt/notesSlides/notesSlide29.xml><?xml version="1.0" encoding="utf-8"?>
 <p:notes xmlns:a="http://schemas.openxmlformats.org/drawingml/2006/main" xmlns:r="http://schemas.openxmlformats.org/officeDocument/2006/relationships" xmlns:p="http://schemas.openxmlformats.org/presentationml/2006/main">
   <p:cSld>
     <p:spTree>
@@ -6174,7 +6278,208 @@
 </p:notes>
 </file>
 
-<file path=ppt/notesSlides/notesSlide29.xml><?xml version="1.0" encoding="utf-8"?>
+<file path=ppt/notesSlides/notesSlide3.xml><?xml version="1.0" encoding="utf-8"?>
+<p:notes xmlns:a="http://schemas.openxmlformats.org/drawingml/2006/main" xmlns:r="http://schemas.openxmlformats.org/officeDocument/2006/relationships" xmlns:p="http://schemas.openxmlformats.org/presentationml/2006/main">
+  <p:cSld>
+    <p:spTree>
+      <p:nvGrpSpPr>
+        <p:cNvPr id="1" name=""/>
+        <p:cNvGrpSpPr/>
+        <p:nvPr/>
+      </p:nvGrpSpPr>
+      <p:grpSpPr>
+        <a:xfrm>
+          <a:off x="0" y="0"/>
+          <a:ext cx="0" cy="0"/>
+          <a:chOff x="0" y="0"/>
+          <a:chExt cx="0" cy="0"/>
+        </a:xfrm>
+      </p:grpSpPr>
+      <p:sp>
+        <p:nvSpPr>
+          <p:cNvPr id="2" name="Slide Image Placeholder 1"/>
+          <p:cNvSpPr>
+            <a:spLocks noGrp="1" noRot="1" noChangeAspect="1"/>
+          </p:cNvSpPr>
+          <p:nvPr>
+            <p:ph type="sldImg"/>
+          </p:nvPr>
+        </p:nvSpPr>
+        <p:spPr/>
+      </p:sp>
+      <p:sp>
+        <p:nvSpPr>
+          <p:cNvPr id="3" name="Notes Placeholder 2"/>
+          <p:cNvSpPr>
+            <a:spLocks noGrp="1"/>
+          </p:cNvSpPr>
+          <p:nvPr>
+            <p:ph type="body" idx="1"/>
+          </p:nvPr>
+        </p:nvSpPr>
+        <p:spPr/>
+        <p:txBody>
+          <a:bodyPr/>
+          <a:lstStyle/>
+          <a:p>
+            <a:r>
+              <a:rPr lang="en-CA" dirty="0"/>
+              <a:t>Let’s start with the big question: </a:t>
+            </a:r>
+            <a:r>
+              <a:rPr lang="en-CA" b="1" dirty="0"/>
+              <a:t>How are two sets of numbers related?</a:t>
+            </a:r>
+          </a:p>
+          <a:p>
+            <a:endParaRPr lang="en-CA" dirty="0"/>
+          </a:p>
+          <a:p>
+            <a:r>
+              <a:rPr lang="en-CA" dirty="0"/>
+              <a:t>First, </a:t>
+            </a:r>
+            <a:r>
+              <a:rPr lang="en-CA" b="1" dirty="0"/>
+              <a:t>correlation</a:t>
+            </a:r>
+            <a:r>
+              <a:rPr lang="en-CA" dirty="0"/>
+              <a:t> tells us </a:t>
+            </a:r>
+            <a:r>
+              <a:rPr lang="en-CA" b="1" dirty="0"/>
+              <a:t>how strongly two things move together</a:t>
+            </a:r>
+            <a:r>
+              <a:rPr lang="en-CA" dirty="0"/>
+              <a:t> — and </a:t>
+            </a:r>
+            <a:r>
+              <a:rPr lang="en-CA" b="1" dirty="0"/>
+              <a:t>in what direction</a:t>
+            </a:r>
+            <a:r>
+              <a:rPr lang="en-CA" dirty="0"/>
+              <a:t>.</a:t>
+            </a:r>
+          </a:p>
+          <a:p>
+            <a:r>
+              <a:rPr lang="en-CA" dirty="0"/>
+              <a:t>If the relationship is </a:t>
+            </a:r>
+            <a:r>
+              <a:rPr lang="en-CA" b="1" dirty="0"/>
+              <a:t>positive</a:t>
+            </a:r>
+            <a:r>
+              <a:rPr lang="en-CA" dirty="0"/>
+              <a:t>, that means both variables increase together.</a:t>
+            </a:r>
+            <a:br>
+              <a:rPr lang="en-CA" dirty="0"/>
+            </a:br>
+            <a:r>
+              <a:rPr lang="en-CA" dirty="0"/>
+              <a:t>For example, as </a:t>
+            </a:r>
+            <a:r>
+              <a:rPr lang="en-CA" b="1" dirty="0"/>
+              <a:t>height increases</a:t>
+            </a:r>
+            <a:r>
+              <a:rPr lang="en-CA" dirty="0"/>
+              <a:t>, </a:t>
+            </a:r>
+            <a:r>
+              <a:rPr lang="en-CA" b="1" dirty="0"/>
+              <a:t>weight</a:t>
+            </a:r>
+            <a:r>
+              <a:rPr lang="en-CA" dirty="0"/>
+              <a:t> tends to increase too.</a:t>
+            </a:r>
+          </a:p>
+          <a:p>
+            <a:r>
+              <a:rPr lang="en-CA" dirty="0"/>
+              <a:t>If it’s </a:t>
+            </a:r>
+            <a:r>
+              <a:rPr lang="en-CA" b="1" dirty="0"/>
+              <a:t>negative</a:t>
+            </a:r>
+            <a:r>
+              <a:rPr lang="en-CA" dirty="0"/>
+              <a:t>, one goes up while the other goes down.</a:t>
+            </a:r>
+            <a:br>
+              <a:rPr lang="en-CA" dirty="0"/>
+            </a:br>
+            <a:r>
+              <a:rPr lang="en-CA" dirty="0"/>
+              <a:t>For example, as </a:t>
+            </a:r>
+            <a:r>
+              <a:rPr lang="en-CA" b="1" dirty="0"/>
+              <a:t>stress levels increase</a:t>
+            </a:r>
+            <a:r>
+              <a:rPr lang="en-CA" dirty="0"/>
+              <a:t>, </a:t>
+            </a:r>
+            <a:r>
+              <a:rPr lang="en-CA" b="1" dirty="0"/>
+              <a:t>we tend to be able to sleep less</a:t>
+            </a:r>
+            <a:endParaRPr lang="en-CA" dirty="0"/>
+          </a:p>
+          <a:p>
+            <a:endParaRPr lang="en-CA" dirty="0"/>
+          </a:p>
+          <a:p>
+            <a:endParaRPr lang="en-US" dirty="0"/>
+          </a:p>
+        </p:txBody>
+      </p:sp>
+      <p:sp>
+        <p:nvSpPr>
+          <p:cNvPr id="4" name="Slide Number Placeholder 3"/>
+          <p:cNvSpPr>
+            <a:spLocks noGrp="1"/>
+          </p:cNvSpPr>
+          <p:nvPr>
+            <p:ph type="sldNum" sz="quarter" idx="5"/>
+          </p:nvPr>
+        </p:nvSpPr>
+        <p:spPr/>
+        <p:txBody>
+          <a:bodyPr/>
+          <a:lstStyle/>
+          <a:p>
+            <a:fld id="{BDEC409A-6EC9-B941-BC41-C561F1F9298C}" type="slidenum">
+              <a:rPr lang="en-US" smtClean="0"/>
+              <a:t>3</a:t>
+            </a:fld>
+            <a:endParaRPr lang="en-US"/>
+          </a:p>
+        </p:txBody>
+      </p:sp>
+    </p:spTree>
+    <p:extLst>
+      <p:ext uri="{BB962C8B-B14F-4D97-AF65-F5344CB8AC3E}">
+        <p14:creationId xmlns:p14="http://schemas.microsoft.com/office/powerpoint/2010/main" val="3786710314"/>
+      </p:ext>
+    </p:extLst>
+  </p:cSld>
+  <p:clrMapOvr>
+    <a:masterClrMapping/>
+  </p:clrMapOvr>
+</p:notes>
+</file>
+
+<file path=ppt/notesSlides/notesSlide30.xml><?xml version="1.0" encoding="utf-8"?>
 <p:notes xmlns:a="http://schemas.openxmlformats.org/drawingml/2006/main" xmlns:r="http://schemas.openxmlformats.org/officeDocument/2006/relationships" xmlns:p="http://schemas.openxmlformats.org/presentationml/2006/main">
   <p:cSld>
     <p:spTree>
@@ -6434,207 +6739,6 @@
     <p:extLst>
       <p:ext uri="{BB962C8B-B14F-4D97-AF65-F5344CB8AC3E}">
         <p14:creationId xmlns:p14="http://schemas.microsoft.com/office/powerpoint/2010/main" val="2300841163"/>
-      </p:ext>
-    </p:extLst>
-  </p:cSld>
-  <p:clrMapOvr>
-    <a:masterClrMapping/>
-  </p:clrMapOvr>
-</p:notes>
-</file>
-
-<file path=ppt/notesSlides/notesSlide3.xml><?xml version="1.0" encoding="utf-8"?>
-<p:notes xmlns:a="http://schemas.openxmlformats.org/drawingml/2006/main" xmlns:r="http://schemas.openxmlformats.org/officeDocument/2006/relationships" xmlns:p="http://schemas.openxmlformats.org/presentationml/2006/main">
-  <p:cSld>
-    <p:spTree>
-      <p:nvGrpSpPr>
-        <p:cNvPr id="1" name=""/>
-        <p:cNvGrpSpPr/>
-        <p:nvPr/>
-      </p:nvGrpSpPr>
-      <p:grpSpPr>
-        <a:xfrm>
-          <a:off x="0" y="0"/>
-          <a:ext cx="0" cy="0"/>
-          <a:chOff x="0" y="0"/>
-          <a:chExt cx="0" cy="0"/>
-        </a:xfrm>
-      </p:grpSpPr>
-      <p:sp>
-        <p:nvSpPr>
-          <p:cNvPr id="2" name="Slide Image Placeholder 1"/>
-          <p:cNvSpPr>
-            <a:spLocks noGrp="1" noRot="1" noChangeAspect="1"/>
-          </p:cNvSpPr>
-          <p:nvPr>
-            <p:ph type="sldImg"/>
-          </p:nvPr>
-        </p:nvSpPr>
-        <p:spPr/>
-      </p:sp>
-      <p:sp>
-        <p:nvSpPr>
-          <p:cNvPr id="3" name="Notes Placeholder 2"/>
-          <p:cNvSpPr>
-            <a:spLocks noGrp="1"/>
-          </p:cNvSpPr>
-          <p:nvPr>
-            <p:ph type="body" idx="1"/>
-          </p:nvPr>
-        </p:nvSpPr>
-        <p:spPr/>
-        <p:txBody>
-          <a:bodyPr/>
-          <a:lstStyle/>
-          <a:p>
-            <a:r>
-              <a:rPr lang="en-CA" dirty="0"/>
-              <a:t>Let’s start with the big question: </a:t>
-            </a:r>
-            <a:r>
-              <a:rPr lang="en-CA" b="1" dirty="0"/>
-              <a:t>How are two sets of numbers related?</a:t>
-            </a:r>
-          </a:p>
-          <a:p>
-            <a:endParaRPr lang="en-CA" dirty="0"/>
-          </a:p>
-          <a:p>
-            <a:r>
-              <a:rPr lang="en-CA" dirty="0"/>
-              <a:t>First, </a:t>
-            </a:r>
-            <a:r>
-              <a:rPr lang="en-CA" b="1" dirty="0"/>
-              <a:t>correlation</a:t>
-            </a:r>
-            <a:r>
-              <a:rPr lang="en-CA" dirty="0"/>
-              <a:t> tells us </a:t>
-            </a:r>
-            <a:r>
-              <a:rPr lang="en-CA" b="1" dirty="0"/>
-              <a:t>how strongly two things move together</a:t>
-            </a:r>
-            <a:r>
-              <a:rPr lang="en-CA" dirty="0"/>
-              <a:t> — and </a:t>
-            </a:r>
-            <a:r>
-              <a:rPr lang="en-CA" b="1" dirty="0"/>
-              <a:t>in what direction</a:t>
-            </a:r>
-            <a:r>
-              <a:rPr lang="en-CA" dirty="0"/>
-              <a:t>.</a:t>
-            </a:r>
-          </a:p>
-          <a:p>
-            <a:r>
-              <a:rPr lang="en-CA" dirty="0"/>
-              <a:t>If the relationship is </a:t>
-            </a:r>
-            <a:r>
-              <a:rPr lang="en-CA" b="1" dirty="0"/>
-              <a:t>positive</a:t>
-            </a:r>
-            <a:r>
-              <a:rPr lang="en-CA" dirty="0"/>
-              <a:t>, that means both variables increase together.</a:t>
-            </a:r>
-            <a:br>
-              <a:rPr lang="en-CA" dirty="0"/>
-            </a:br>
-            <a:r>
-              <a:rPr lang="en-CA" dirty="0"/>
-              <a:t>For example, as </a:t>
-            </a:r>
-            <a:r>
-              <a:rPr lang="en-CA" b="1" dirty="0"/>
-              <a:t>height increases</a:t>
-            </a:r>
-            <a:r>
-              <a:rPr lang="en-CA" dirty="0"/>
-              <a:t>, </a:t>
-            </a:r>
-            <a:r>
-              <a:rPr lang="en-CA" b="1" dirty="0"/>
-              <a:t>weight</a:t>
-            </a:r>
-            <a:r>
-              <a:rPr lang="en-CA" dirty="0"/>
-              <a:t> tends to increase too.</a:t>
-            </a:r>
-          </a:p>
-          <a:p>
-            <a:r>
-              <a:rPr lang="en-CA" dirty="0"/>
-              <a:t>If it’s </a:t>
-            </a:r>
-            <a:r>
-              <a:rPr lang="en-CA" b="1" dirty="0"/>
-              <a:t>negative</a:t>
-            </a:r>
-            <a:r>
-              <a:rPr lang="en-CA" dirty="0"/>
-              <a:t>, one goes up while the other goes down.</a:t>
-            </a:r>
-            <a:br>
-              <a:rPr lang="en-CA" dirty="0"/>
-            </a:br>
-            <a:r>
-              <a:rPr lang="en-CA" dirty="0"/>
-              <a:t>For example, as </a:t>
-            </a:r>
-            <a:r>
-              <a:rPr lang="en-CA" b="1" dirty="0"/>
-              <a:t>stress levels increase</a:t>
-            </a:r>
-            <a:r>
-              <a:rPr lang="en-CA" dirty="0"/>
-              <a:t>, </a:t>
-            </a:r>
-            <a:r>
-              <a:rPr lang="en-CA" b="1" dirty="0"/>
-              <a:t>we tend to be able to sleep less</a:t>
-            </a:r>
-            <a:endParaRPr lang="en-CA" dirty="0"/>
-          </a:p>
-          <a:p>
-            <a:endParaRPr lang="en-CA" dirty="0"/>
-          </a:p>
-          <a:p>
-            <a:endParaRPr lang="en-US" dirty="0"/>
-          </a:p>
-        </p:txBody>
-      </p:sp>
-      <p:sp>
-        <p:nvSpPr>
-          <p:cNvPr id="4" name="Slide Number Placeholder 3"/>
-          <p:cNvSpPr>
-            <a:spLocks noGrp="1"/>
-          </p:cNvSpPr>
-          <p:nvPr>
-            <p:ph type="sldNum" sz="quarter" idx="5"/>
-          </p:nvPr>
-        </p:nvSpPr>
-        <p:spPr/>
-        <p:txBody>
-          <a:bodyPr/>
-          <a:lstStyle/>
-          <a:p>
-            <a:fld id="{BDEC409A-6EC9-B941-BC41-C561F1F9298C}" type="slidenum">
-              <a:rPr lang="en-US" smtClean="0"/>
-              <a:t>3</a:t>
-            </a:fld>
-            <a:endParaRPr lang="en-US"/>
-          </a:p>
-        </p:txBody>
-      </p:sp>
-    </p:spTree>
-    <p:extLst>
-      <p:ext uri="{BB962C8B-B14F-4D97-AF65-F5344CB8AC3E}">
-        <p14:creationId xmlns:p14="http://schemas.microsoft.com/office/powerpoint/2010/main" val="3786710314"/>
       </p:ext>
     </p:extLst>
   </p:cSld>
@@ -7017,10 +7121,10 @@
           <a:p>
             <a:r>
               <a:rPr lang="en-CA" dirty="0"/>
-              <a:t>First, Let’s talk about </a:t>
-            </a:r>
-            <a:r>
-              <a:rPr lang="en-CA" i="1" dirty="0"/>
+              <a:t>First, let’s talk about </a:t>
+            </a:r>
+            <a:r>
+              <a:rPr lang="en-CA" b="1" dirty="0"/>
               <a:t>Pearson’s correlation coefficient</a:t>
             </a:r>
             <a:r>
@@ -7037,24 +7141,12 @@
             </a:r>
           </a:p>
           <a:p>
-            <a:r>
-              <a:rPr lang="en-CA" dirty="0"/>
-              <a:t>This value tells us </a:t>
-            </a:r>
-            <a:r>
-              <a:rPr lang="en-CA" b="1" dirty="0"/>
-              <a:t>how strongly two numeric variables move together</a:t>
-            </a:r>
-            <a:r>
-              <a:rPr lang="en-CA" dirty="0"/>
-              <a:t>.</a:t>
-            </a:r>
             <a:br>
               <a:rPr lang="en-CA" dirty="0"/>
             </a:br>
             <a:r>
               <a:rPr lang="en-CA" dirty="0"/>
-              <a:t>It ranges from </a:t>
+              <a:t>This value measures how strongly two numeric variables move together, and it ranges from </a:t>
             </a:r>
             <a:r>
               <a:rPr lang="en-CA" b="1" dirty="0"/>
@@ -7071,24 +7163,20 @@
               <a:buChar char="•"/>
             </a:pPr>
             <a:r>
-              <a:rPr lang="en-CA" dirty="0"/>
-              <a:t>A value of </a:t>
-            </a:r>
-            <a:r>
               <a:rPr lang="en-CA" b="1" dirty="0"/>
               <a:t>+1</a:t>
             </a:r>
             <a:r>
               <a:rPr lang="en-CA" dirty="0"/>
-              <a:t> means a </a:t>
+              <a:t> indicates a </a:t>
             </a:r>
             <a:r>
               <a:rPr lang="en-CA" i="1" dirty="0"/>
-              <a:t>perfect positive relationship</a:t>
+              <a:t>perfect positive</a:t>
             </a:r>
             <a:r>
               <a:rPr lang="en-CA" dirty="0"/>
-              <a:t> — as one variable increases, the other increases in a perfectly consistent way.</a:t>
+              <a:t> relationship — as one variable increases, the other increases in perfect sync.</a:t>
             </a:r>
           </a:p>
           <a:p>
@@ -7097,24 +7185,20 @@
               <a:buChar char="•"/>
             </a:pPr>
             <a:r>
-              <a:rPr lang="en-CA" dirty="0"/>
-              <a:t>A value of </a:t>
-            </a:r>
-            <a:r>
               <a:rPr lang="en-CA" b="1" dirty="0"/>
               <a:t>–1</a:t>
             </a:r>
             <a:r>
               <a:rPr lang="en-CA" dirty="0"/>
-              <a:t> means a </a:t>
+              <a:t> indicates a </a:t>
             </a:r>
             <a:r>
               <a:rPr lang="en-CA" i="1" dirty="0"/>
-              <a:t>perfect negative relationship</a:t>
+              <a:t>perfect negative</a:t>
             </a:r>
             <a:r>
               <a:rPr lang="en-CA" dirty="0"/>
-              <a:t> — as one goes up, the other goes down in a perfectly predictable pattern.</a:t>
+              <a:t> relationship — as one goes up, the other goes down in a perfectly predictable way.</a:t>
             </a:r>
           </a:p>
           <a:p>
@@ -7123,10 +7207,6 @@
               <a:buChar char="•"/>
             </a:pPr>
             <a:r>
-              <a:rPr lang="en-CA" dirty="0"/>
-              <a:t>And a value of </a:t>
-            </a:r>
-            <a:r>
               <a:rPr lang="en-CA" b="1" dirty="0"/>
               <a:t>0</a:t>
             </a:r>
@@ -7140,16 +7220,15 @@
             </a:r>
             <a:r>
               <a:rPr lang="en-CA" dirty="0"/>
-              <a:t> between the two variables, where the movement of one </a:t>
-            </a:r>
-            <a:r>
-              <a:rPr lang="en-CA" dirty="0" err="1"/>
-              <a:t>doesnt</a:t>
-            </a:r>
-            <a:r>
-              <a:rPr lang="en-CA" dirty="0"/>
-              <a:t> relate to the movement of the other.</a:t>
-            </a:r>
+              <a:t> — changes in one variable don’t relate to changes in the other.</a:t>
+            </a:r>
+          </a:p>
+          <a:p>
+            <a:pPr>
+              <a:buFont typeface="Arial" panose="020B0604020202020204" pitchFamily="34" charset="0"/>
+              <a:buChar char="•"/>
+            </a:pPr>
+            <a:endParaRPr lang="en-CA" dirty="0"/>
           </a:p>
           <a:p>
             <a:r>
@@ -7162,137 +7241,114 @@
             </a:r>
             <a:r>
               <a:rPr lang="en-CA" dirty="0"/>
-              <a:t>, the </a:t>
+              <a:t>, the stronger the linear link. The </a:t>
             </a:r>
             <a:r>
               <a:rPr lang="en-CA" b="1" dirty="0"/>
-              <a:t>stronger</a:t>
+              <a:t>sign</a:t>
             </a:r>
             <a:r>
               <a:rPr lang="en-CA" dirty="0"/>
-              <a:t> the linear link.</a:t>
+              <a:t> of r tells us the </a:t>
+            </a:r>
+            <a:r>
+              <a:rPr lang="en-CA" i="1" dirty="0"/>
+              <a:t>direction</a:t>
+            </a:r>
+            <a:r>
+              <a:rPr lang="en-CA" dirty="0"/>
+              <a:t>:</a:t>
+            </a:r>
+          </a:p>
+          <a:p>
+            <a:r>
+              <a:rPr lang="en-CA" dirty="0"/>
+              <a:t>- When </a:t>
+            </a:r>
+            <a:r>
+              <a:rPr lang="en-CA" b="1" dirty="0"/>
+              <a:t>r is positive</a:t>
+            </a:r>
+            <a:r>
+              <a:rPr lang="en-CA" dirty="0"/>
+              <a:t>, both variables move in the same direction - When </a:t>
+            </a:r>
+            <a:r>
+              <a:rPr lang="en-CA" b="1" dirty="0"/>
+              <a:t>r is negative</a:t>
+            </a:r>
+            <a:r>
+              <a:rPr lang="en-CA" dirty="0"/>
+              <a:t>, they move in opposite directions.</a:t>
+            </a:r>
+          </a:p>
+          <a:p>
+            <a:endParaRPr lang="en-CA" dirty="0"/>
+          </a:p>
+          <a:p>
+            <a:r>
+              <a:rPr lang="en-CA" dirty="0"/>
+              <a:t>These plots show different strengths and directions of correlation:</a:t>
             </a:r>
             <a:br>
               <a:rPr lang="en-CA" dirty="0"/>
             </a:br>
             <a:r>
               <a:rPr lang="en-CA" dirty="0"/>
-              <a:t>The </a:t>
+              <a:t>• </a:t>
             </a:r>
             <a:r>
               <a:rPr lang="en-CA" b="1" dirty="0"/>
-              <a:t>sign</a:t>
+              <a:t>Top left (r = 1):</a:t>
             </a:r>
             <a:r>
               <a:rPr lang="en-CA" dirty="0"/>
-              <a:t> tells us the </a:t>
-            </a:r>
-            <a:r>
-              <a:rPr lang="en-CA" b="1" dirty="0"/>
-              <a:t>direction</a:t>
-            </a:r>
-            <a:r>
-              <a:rPr lang="en-CA" dirty="0"/>
-              <a:t> of the relationship:</a:t>
+              <a:t> A perfect positive correlation — as one variable increases, so does the other, in a perfectly consistent pattern.</a:t>
             </a:r>
             <a:br>
               <a:rPr lang="en-CA" dirty="0"/>
             </a:br>
             <a:r>
               <a:rPr lang="en-CA" dirty="0"/>
-              <a:t> When </a:t>
+              <a:t>• </a:t>
             </a:r>
             <a:r>
               <a:rPr lang="en-CA" b="1" dirty="0"/>
-              <a:t>r is positive</a:t>
+              <a:t>Top right (r = 0.6):</a:t>
             </a:r>
             <a:r>
               <a:rPr lang="en-CA" dirty="0"/>
-              <a:t>, both variables move in the same direction — for example, as height increases, weight tends to increase.</a:t>
+              <a:t> A moderate positive correlation — the general trend is upward, but the points are more spread out.</a:t>
             </a:r>
             <a:br>
               <a:rPr lang="en-CA" dirty="0"/>
             </a:br>
             <a:r>
               <a:rPr lang="en-CA" dirty="0"/>
-              <a:t> When </a:t>
+              <a:t>• </a:t>
             </a:r>
             <a:r>
               <a:rPr lang="en-CA" b="1" dirty="0"/>
-              <a:t>r is negative</a:t>
+              <a:t>Bottom left (r = 0):</a:t>
             </a:r>
             <a:r>
               <a:rPr lang="en-CA" dirty="0"/>
-              <a:t>, they move in opposite directions</a:t>
-            </a:r>
-          </a:p>
-          <a:p>
-            <a:endParaRPr lang="en-CA" dirty="0"/>
-          </a:p>
-          <a:p>
-            <a:r>
+              <a:t> No linear relationship — the points are scattered with no clear pattern.</a:t>
+            </a:r>
+            <a:br>
               <a:rPr lang="en-CA" dirty="0"/>
-              <a:t>These plots illustrate different strengths and directions of linear relationships.</a:t>
-            </a:r>
-          </a:p>
-          <a:p>
-            <a:endParaRPr lang="en-CA" dirty="0"/>
-          </a:p>
-          <a:p>
+            </a:br>
             <a:r>
               <a:rPr lang="en-CA" dirty="0"/>
-              <a:t>In the top left, we see a </a:t>
-            </a:r>
-            <a:r>
-              <a:rPr lang="en-CA" i="1" dirty="0"/>
-              <a:t>perfect positive correlation</a:t>
+              <a:t>• </a:t>
+            </a:r>
+            <a:r>
+              <a:rPr lang="en-CA" b="1" dirty="0"/>
+              <a:t>Bottom right (r = –0.8):</a:t>
             </a:r>
             <a:r>
               <a:rPr lang="en-CA" dirty="0"/>
-              <a:t> — as one variable increases, the other increases in perfect sync, so r=1</a:t>
-            </a:r>
-          </a:p>
-          <a:p>
-            <a:endParaRPr lang="en-CA" dirty="0"/>
-          </a:p>
-          <a:p>
-            <a:r>
-              <a:rPr lang="en-CA" dirty="0"/>
-              <a:t>Next, with r=0.6, the relationship is still positive but weaker — the points are more scattered.</a:t>
-            </a:r>
-          </a:p>
-          <a:p>
-            <a:endParaRPr lang="en-CA" dirty="0"/>
-          </a:p>
-          <a:p>
-            <a:r>
-              <a:rPr lang="en-CA" dirty="0"/>
-              <a:t>In the third plot, r=0, meaning there’s </a:t>
-            </a:r>
-            <a:r>
-              <a:rPr lang="en-CA" i="1" dirty="0"/>
-              <a:t>no linear relationship</a:t>
-            </a:r>
-            <a:r>
-              <a:rPr lang="en-CA" dirty="0"/>
-              <a:t> — the points don’t show any consistent pattern.</a:t>
-            </a:r>
-          </a:p>
-          <a:p>
-            <a:endParaRPr lang="en-CA" dirty="0"/>
-          </a:p>
-          <a:p>
-            <a:r>
-              <a:rPr lang="en-CA" dirty="0"/>
-              <a:t>Finally, in the bottom right, r=−0.8, which shows a strong </a:t>
-            </a:r>
-            <a:r>
-              <a:rPr lang="en-CA" i="1" dirty="0"/>
-              <a:t>negative correlation</a:t>
-            </a:r>
-            <a:r>
-              <a:rPr lang="en-CA" dirty="0"/>
-              <a:t> — as one variable goes up, the other tends to go down.</a:t>
+              <a:t> A strong negative correlation — as one variable increases, the other tends to decrease.</a:t>
             </a:r>
           </a:p>
         </p:txBody>
@@ -7539,7 +7595,7 @@
                 <a:effectLst/>
                 <a:latin typeface="Arial" panose="020B0604020202020204" pitchFamily="34" charset="0"/>
               </a:rPr>
-              <a:t>A regression model works by examining a dataset of past observations to identify patterns in the relationship between predictors and the response variable. Using these patterns, the model essentially 'draws' a line of best fit—mathematically, this is a line that minimizes the error between our observed values and the predicted values - we’ll talk more about this in the next few slides. </a:t>
+              <a:t>A regression model works by examining a dataset of past observations to identify patterns in the relationship between predictors and the response variable. Using these patterns, the model essentially 'draws' a line of best fit—we’ll talk more about what defines “best fit” in the next few slides. </a:t>
             </a:r>
           </a:p>
           <a:p>
@@ -7572,7 +7628,7 @@
                 <a:effectLst/>
                 <a:latin typeface="Arial" panose="020B0604020202020204" pitchFamily="34" charset="0"/>
               </a:rPr>
-              <a:t>This best-fit line then becomes the tool for making predictions. For any new observation, such as a house we haven't seen before, the model uses the established relationship to estimate the expected sale price.</a:t>
+              <a:t>This best-fit line then becomes the tool for making predictions. For any new observation, such as a house with a size we haven't seen before, the model uses the established relationship to estimate the expected sale price.</a:t>
             </a:r>
             <a:endParaRPr lang="en-CA" b="0" dirty="0">
               <a:effectLst/>
@@ -8240,52 +8296,6 @@
             </a:endParaRPr>
           </a:p>
           <a:p>
-            <a:endParaRPr lang="en-CA" b="0" dirty="0">
-              <a:effectLst/>
-            </a:endParaRPr>
-          </a:p>
-          <a:p>
-            <a:pPr marL="0" marR="0" lvl="0" indent="0" algn="l" defTabSz="914400" rtl="0" eaLnBrk="1" fontAlgn="auto" latinLnBrk="0" hangingPunct="1">
-              <a:lnSpc>
-                <a:spcPct val="100000"/>
-              </a:lnSpc>
-              <a:spcBef>
-                <a:spcPts val="0"/>
-              </a:spcBef>
-              <a:spcAft>
-                <a:spcPts val="0"/>
-              </a:spcAft>
-              <a:buClrTx/>
-              <a:buSzTx/>
-              <a:buFontTx/>
-              <a:buNone/>
-              <a:tabLst/>
-              <a:defRPr/>
-            </a:pPr>
-            <a:r>
-              <a:rPr lang="en-CA" sz="1800" b="0" i="0" u="none" strike="noStrike" dirty="0">
-                <a:solidFill>
-                  <a:srgbClr val="000000"/>
-                </a:solidFill>
-                <a:effectLst/>
-                <a:latin typeface="Arial" panose="020B0604020202020204" pitchFamily="34" charset="0"/>
-              </a:rPr>
-              <a:t>Once again, </a:t>
-            </a:r>
-            <a:r>
-              <a:rPr lang="en-CA" sz="1200" dirty="0"/>
-              <a:t>for anyone who wants to explore the dataset later, I’ve included a </a:t>
-            </a:r>
-            <a:r>
-              <a:rPr lang="en-CA" sz="1200" b="1" dirty="0"/>
-              <a:t>QR code</a:t>
-            </a:r>
-            <a:r>
-              <a:rPr lang="en-CA" sz="1200" dirty="0"/>
-              <a:t> links directly to the dataset.</a:t>
-            </a:r>
-          </a:p>
-          <a:p>
             <a:br>
               <a:rPr lang="en-CA" b="0" dirty="0">
                 <a:effectLst/>
@@ -8540,7 +8550,7 @@
           <a:p>
             <a:fld id="{C9C1E032-8598-D245-A611-EA3486D38588}" type="datetimeFigureOut">
               <a:rPr lang="en-US" smtClean="0"/>
-              <a:t>10/28/25</a:t>
+              <a:t>10/31/25</a:t>
             </a:fld>
             <a:endParaRPr lang="en-US"/>
           </a:p>
@@ -8710,7 +8720,7 @@
           <a:p>
             <a:fld id="{C9C1E032-8598-D245-A611-EA3486D38588}" type="datetimeFigureOut">
               <a:rPr lang="en-US" smtClean="0"/>
-              <a:t>10/28/25</a:t>
+              <a:t>10/31/25</a:t>
             </a:fld>
             <a:endParaRPr lang="en-US"/>
           </a:p>
@@ -8890,7 +8900,7 @@
           <a:p>
             <a:fld id="{C9C1E032-8598-D245-A611-EA3486D38588}" type="datetimeFigureOut">
               <a:rPr lang="en-US" smtClean="0"/>
-              <a:t>10/28/25</a:t>
+              <a:t>10/31/25</a:t>
             </a:fld>
             <a:endParaRPr lang="en-US"/>
           </a:p>
@@ -9060,7 +9070,7 @@
           <a:p>
             <a:fld id="{C9C1E032-8598-D245-A611-EA3486D38588}" type="datetimeFigureOut">
               <a:rPr lang="en-US" smtClean="0"/>
-              <a:t>10/28/25</a:t>
+              <a:t>10/31/25</a:t>
             </a:fld>
             <a:endParaRPr lang="en-US"/>
           </a:p>
@@ -9306,7 +9316,7 @@
           <a:p>
             <a:fld id="{C9C1E032-8598-D245-A611-EA3486D38588}" type="datetimeFigureOut">
               <a:rPr lang="en-US" smtClean="0"/>
-              <a:t>10/28/25</a:t>
+              <a:t>10/31/25</a:t>
             </a:fld>
             <a:endParaRPr lang="en-US"/>
           </a:p>
@@ -9538,7 +9548,7 @@
           <a:p>
             <a:fld id="{C9C1E032-8598-D245-A611-EA3486D38588}" type="datetimeFigureOut">
               <a:rPr lang="en-US" smtClean="0"/>
-              <a:t>10/28/25</a:t>
+              <a:t>10/31/25</a:t>
             </a:fld>
             <a:endParaRPr lang="en-US"/>
           </a:p>
@@ -9905,7 +9915,7 @@
           <a:p>
             <a:fld id="{C9C1E032-8598-D245-A611-EA3486D38588}" type="datetimeFigureOut">
               <a:rPr lang="en-US" smtClean="0"/>
-              <a:t>10/28/25</a:t>
+              <a:t>10/31/25</a:t>
             </a:fld>
             <a:endParaRPr lang="en-US"/>
           </a:p>
@@ -10023,7 +10033,7 @@
           <a:p>
             <a:fld id="{C9C1E032-8598-D245-A611-EA3486D38588}" type="datetimeFigureOut">
               <a:rPr lang="en-US" smtClean="0"/>
-              <a:t>10/28/25</a:t>
+              <a:t>10/31/25</a:t>
             </a:fld>
             <a:endParaRPr lang="en-US"/>
           </a:p>
@@ -10118,7 +10128,7 @@
           <a:p>
             <a:fld id="{C9C1E032-8598-D245-A611-EA3486D38588}" type="datetimeFigureOut">
               <a:rPr lang="en-US" smtClean="0"/>
-              <a:t>10/28/25</a:t>
+              <a:t>10/31/25</a:t>
             </a:fld>
             <a:endParaRPr lang="en-US"/>
           </a:p>
@@ -10395,7 +10405,7 @@
           <a:p>
             <a:fld id="{C9C1E032-8598-D245-A611-EA3486D38588}" type="datetimeFigureOut">
               <a:rPr lang="en-US" smtClean="0"/>
-              <a:t>10/28/25</a:t>
+              <a:t>10/31/25</a:t>
             </a:fld>
             <a:endParaRPr lang="en-US"/>
           </a:p>
@@ -10652,7 +10662,7 @@
           <a:p>
             <a:fld id="{C9C1E032-8598-D245-A611-EA3486D38588}" type="datetimeFigureOut">
               <a:rPr lang="en-US" smtClean="0"/>
-              <a:t>10/28/25</a:t>
+              <a:t>10/31/25</a:t>
             </a:fld>
             <a:endParaRPr lang="en-US"/>
           </a:p>
@@ -10865,7 +10875,7 @@
           <a:p>
             <a:fld id="{C9C1E032-8598-D245-A611-EA3486D38588}" type="datetimeFigureOut">
               <a:rPr lang="en-US" smtClean="0"/>
-              <a:t>10/28/25</a:t>
+              <a:t>10/31/25</a:t>
             </a:fld>
             <a:endParaRPr lang="en-US"/>
           </a:p>
@@ -11690,8 +11700,8 @@
           </a:p>
         </p:txBody>
       </p:sp>
-      <mc:AlternateContent xmlns:mc="http://schemas.openxmlformats.org/markup-compatibility/2006">
-        <mc:Choice xmlns:a14="http://schemas.microsoft.com/office/drawing/2010/main" Requires="a14">
+      <mc:AlternateContent xmlns:mc="http://schemas.openxmlformats.org/markup-compatibility/2006" xmlns:a14="http://schemas.microsoft.com/office/drawing/2010/main">
+        <mc:Choice Requires="a14">
           <p:sp>
             <p:nvSpPr>
               <p:cNvPr id="3" name="Content Placeholder 2">
@@ -12194,7 +12204,7 @@
             </p:txBody>
           </p:sp>
         </mc:Choice>
-        <mc:Fallback>
+        <mc:Fallback xmlns="">
           <p:sp>
             <p:nvSpPr>
               <p:cNvPr id="3" name="Content Placeholder 2">
@@ -13548,7 +13558,7 @@
         <p:spPr>
           <a:xfrm>
             <a:off x="838200" y="3990597"/>
-            <a:ext cx="4541322" cy="1569660"/>
+            <a:ext cx="4541322" cy="1938992"/>
           </a:xfrm>
           <a:prstGeom prst="rect">
             <a:avLst/>
@@ -13562,37 +13572,34 @@
           <a:lstStyle/>
           <a:p>
             <a:r>
-              <a:rPr lang="en-US" sz="2400" dirty="0">
+              <a:rPr lang="en-CA" sz="2400" dirty="0">
                 <a:solidFill>
                   <a:schemeClr val="bg1"/>
                 </a:solidFill>
               </a:rPr>
-              <a:t>Simple</a:t>
-            </a:r>
-            <a:r>
-              <a:rPr lang="en-US" sz="2400" b="1" dirty="0">
+              <a:t>Simple linear regression finds the line of best fit by </a:t>
+            </a:r>
+            <a:r>
+              <a:rPr lang="en-CA" sz="2400" b="1" dirty="0">
                 <a:solidFill>
                   <a:schemeClr val="bg1"/>
                 </a:solidFill>
               </a:rPr>
-              <a:t> </a:t>
-            </a:r>
-            <a:r>
-              <a:rPr lang="en-US" sz="2400" dirty="0">
+              <a:t>making the predicted values as close as possible to the actual data points</a:t>
+            </a:r>
+            <a:r>
+              <a:rPr lang="en-CA" sz="2400" dirty="0">
                 <a:solidFill>
                   <a:schemeClr val="bg1"/>
                 </a:solidFill>
               </a:rPr>
-              <a:t>linear regression finds the line of best fit by minimizing the </a:t>
-            </a:r>
-            <a:r>
-              <a:rPr lang="en-US" sz="2400" b="1" dirty="0">
-                <a:solidFill>
-                  <a:schemeClr val="bg1"/>
-                </a:solidFill>
-              </a:rPr>
-              <a:t>Root Mean Squared Error (RMSE).</a:t>
-            </a:r>
+              <a:t>.</a:t>
+            </a:r>
+            <a:endParaRPr lang="en-US" sz="2400" b="1" dirty="0">
+              <a:solidFill>
+                <a:schemeClr val="bg1"/>
+              </a:solidFill>
+            </a:endParaRPr>
           </a:p>
         </p:txBody>
       </p:sp>
@@ -13760,8 +13767,8 @@
           </a:p>
         </p:txBody>
       </p:sp>
-      <mc:AlternateContent xmlns:mc="http://schemas.openxmlformats.org/markup-compatibility/2006">
-        <mc:Choice xmlns:a14="http://schemas.microsoft.com/office/drawing/2010/main" Requires="a14">
+      <mc:AlternateContent xmlns:mc="http://schemas.openxmlformats.org/markup-compatibility/2006" xmlns:a14="http://schemas.microsoft.com/office/drawing/2010/main">
+        <mc:Choice Requires="a14">
           <p:sp>
             <p:nvSpPr>
               <p:cNvPr id="13" name="Content Placeholder 2">
@@ -13859,18 +13866,9 @@
                           <a:schemeClr val="bg1"/>
                         </a:solidFill>
                         <a:effectLst/>
-                      </a:rPr>
-                      <m:t>2</m:t>
-                    </m:r>
-                    <m:r>
-                      <a:rPr lang="en-CA" sz="2400" b="0" i="0" dirty="0" smtClean="0">
-                        <a:solidFill>
-                          <a:schemeClr val="bg1"/>
-                        </a:solidFill>
-                        <a:effectLst/>
                         <a:latin typeface="Cambria Math" panose="02040503050406030204" pitchFamily="18" charset="0"/>
                       </a:rPr>
-                      <m:t>. </m:t>
+                      <m:t>2. </m:t>
                     </m:r>
                     <m:r>
                       <m:rPr>
@@ -14140,7 +14138,7 @@
             </p:txBody>
           </p:sp>
         </mc:Choice>
-        <mc:Fallback>
+        <mc:Fallback xmlns="">
           <p:sp>
             <p:nvSpPr>
               <p:cNvPr id="13" name="Content Placeholder 2">
@@ -17726,6 +17724,138 @@
           </a:graphicData>
         </a:graphic>
       </p:graphicFrame>
+      <p:sp>
+        <p:nvSpPr>
+          <p:cNvPr id="4" name="TextBox 3">
+            <a:extLst>
+              <a:ext uri="{FF2B5EF4-FFF2-40B4-BE49-F238E27FC236}">
+                <a16:creationId xmlns:a16="http://schemas.microsoft.com/office/drawing/2014/main" id="{296B5AB5-8F3E-3209-4A09-2B44BEEE93F3}"/>
+              </a:ext>
+            </a:extLst>
+          </p:cNvPr>
+          <p:cNvSpPr txBox="1"/>
+          <p:nvPr/>
+        </p:nvSpPr>
+        <p:spPr>
+          <a:xfrm flipH="1">
+            <a:off x="7885053" y="3397212"/>
+            <a:ext cx="1106546" cy="2468879"/>
+          </a:xfrm>
+          <a:prstGeom prst="rect">
+            <a:avLst/>
+          </a:prstGeom>
+          <a:noFill/>
+          <a:ln w="76200">
+            <a:solidFill>
+              <a:schemeClr val="accent4"/>
+            </a:solidFill>
+          </a:ln>
+        </p:spPr>
+        <p:txBody>
+          <a:bodyPr wrap="square">
+            <a:spAutoFit/>
+          </a:bodyPr>
+          <a:lstStyle/>
+          <a:p>
+            <a:pPr marL="0" marR="0" lvl="0" indent="0" algn="l" defTabSz="914400" rtl="0" eaLnBrk="1" fontAlgn="auto" latinLnBrk="0" hangingPunct="1">
+              <a:lnSpc>
+                <a:spcPct val="100000"/>
+              </a:lnSpc>
+              <a:spcBef>
+                <a:spcPts val="0"/>
+              </a:spcBef>
+              <a:spcAft>
+                <a:spcPts val="0"/>
+              </a:spcAft>
+              <a:buClrTx/>
+              <a:buSzTx/>
+              <a:buFontTx/>
+              <a:buNone/>
+              <a:tabLst/>
+              <a:defRPr/>
+            </a:pPr>
+            <a:endParaRPr kumimoji="0" lang="en-US" sz="2400" b="0" i="0" u="none" strike="noStrike" kern="1200" cap="none" spc="0" normalizeH="0" baseline="0" noProof="0" dirty="0">
+              <a:ln>
+                <a:noFill/>
+              </a:ln>
+              <a:solidFill>
+                <a:schemeClr val="bg1"/>
+              </a:solidFill>
+              <a:effectLst/>
+              <a:uLnTx/>
+              <a:uFillTx/>
+              <a:ea typeface="+mn-ea"/>
+              <a:cs typeface="+mn-cs"/>
+            </a:endParaRPr>
+          </a:p>
+        </p:txBody>
+      </p:sp>
+      <p:sp>
+        <p:nvSpPr>
+          <p:cNvPr id="6" name="TextBox 5">
+            <a:extLst>
+              <a:ext uri="{FF2B5EF4-FFF2-40B4-BE49-F238E27FC236}">
+                <a16:creationId xmlns:a16="http://schemas.microsoft.com/office/drawing/2014/main" id="{132557E3-A782-8BAF-BDF5-15990EA2DD9E}"/>
+              </a:ext>
+            </a:extLst>
+          </p:cNvPr>
+          <p:cNvSpPr txBox="1"/>
+          <p:nvPr/>
+        </p:nvSpPr>
+        <p:spPr>
+          <a:xfrm flipH="1">
+            <a:off x="9436080" y="3429000"/>
+            <a:ext cx="1128134" cy="2383203"/>
+          </a:xfrm>
+          <a:prstGeom prst="rect">
+            <a:avLst/>
+          </a:prstGeom>
+          <a:noFill/>
+          <a:ln w="76200">
+            <a:solidFill>
+              <a:schemeClr val="accent4"/>
+            </a:solidFill>
+          </a:ln>
+        </p:spPr>
+        <p:txBody>
+          <a:bodyPr wrap="square">
+            <a:spAutoFit/>
+          </a:bodyPr>
+          <a:lstStyle/>
+          <a:p>
+            <a:pPr marL="0" marR="0" lvl="0" indent="0" algn="l" defTabSz="914400" rtl="0" eaLnBrk="1" fontAlgn="auto" latinLnBrk="0" hangingPunct="1">
+              <a:lnSpc>
+                <a:spcPct val="100000"/>
+              </a:lnSpc>
+              <a:spcBef>
+                <a:spcPts val="0"/>
+              </a:spcBef>
+              <a:spcAft>
+                <a:spcPts val="0"/>
+              </a:spcAft>
+              <a:buClrTx/>
+              <a:buSzTx/>
+              <a:buFontTx/>
+              <a:buNone/>
+              <a:tabLst/>
+              <a:defRPr/>
+            </a:pPr>
+            <a:endParaRPr kumimoji="0" lang="en-US" sz="2400" b="0" i="0" u="none" strike="noStrike" kern="1200" cap="none" spc="0" normalizeH="0" baseline="0" noProof="0" dirty="0">
+              <a:ln>
+                <a:noFill/>
+              </a:ln>
+              <a:solidFill>
+                <a:schemeClr val="bg1"/>
+              </a:solidFill>
+              <a:effectLst/>
+              <a:uLnTx/>
+              <a:uFillTx/>
+              <a:ea typeface="+mn-ea"/>
+              <a:cs typeface="+mn-cs"/>
+            </a:endParaRPr>
+          </a:p>
+        </p:txBody>
+      </p:sp>
     </p:spTree>
     <p:extLst>
       <p:ext uri="{BB962C8B-B14F-4D97-AF65-F5344CB8AC3E}">
@@ -17793,6 +17923,231 @@
                       </p:childTnLst>
                     </p:cTn>
                   </p:par>
+                  <p:par>
+                    <p:cTn id="7" fill="hold">
+                      <p:stCondLst>
+                        <p:cond delay="indefinite"/>
+                      </p:stCondLst>
+                      <p:childTnLst>
+                        <p:par>
+                          <p:cTn id="8" fill="hold">
+                            <p:stCondLst>
+                              <p:cond delay="0"/>
+                            </p:stCondLst>
+                            <p:childTnLst>
+                              <p:par>
+                                <p:cTn id="9" presetID="1" presetClass="entr" presetSubtype="0" fill="hold" nodeType="clickEffect">
+                                  <p:stCondLst>
+                                    <p:cond delay="0"/>
+                                  </p:stCondLst>
+                                  <p:childTnLst>
+                                    <p:set>
+                                      <p:cBhvr>
+                                        <p:cTn id="10" dur="1" fill="hold">
+                                          <p:stCondLst>
+                                            <p:cond delay="0"/>
+                                          </p:stCondLst>
+                                        </p:cTn>
+                                        <p:tgtEl>
+                                          <p:spTgt spid="3"/>
+                                        </p:tgtEl>
+                                        <p:attrNameLst>
+                                          <p:attrName>style.visibility</p:attrName>
+                                        </p:attrNameLst>
+                                      </p:cBhvr>
+                                      <p:to>
+                                        <p:strVal val="visible"/>
+                                      </p:to>
+                                    </p:set>
+                                  </p:childTnLst>
+                                </p:cTn>
+                              </p:par>
+                            </p:childTnLst>
+                          </p:cTn>
+                        </p:par>
+                      </p:childTnLst>
+                    </p:cTn>
+                  </p:par>
+                  <p:par>
+                    <p:cTn id="11" fill="hold">
+                      <p:stCondLst>
+                        <p:cond delay="indefinite"/>
+                      </p:stCondLst>
+                      <p:childTnLst>
+                        <p:par>
+                          <p:cTn id="12" fill="hold">
+                            <p:stCondLst>
+                              <p:cond delay="0"/>
+                            </p:stCondLst>
+                            <p:childTnLst>
+                              <p:par>
+                                <p:cTn id="13" presetID="1" presetClass="entr" presetSubtype="0" fill="hold" grpId="0" nodeType="clickEffect">
+                                  <p:stCondLst>
+                                    <p:cond delay="0"/>
+                                  </p:stCondLst>
+                                  <p:childTnLst>
+                                    <p:set>
+                                      <p:cBhvr>
+                                        <p:cTn id="14" dur="1" fill="hold">
+                                          <p:stCondLst>
+                                            <p:cond delay="0"/>
+                                          </p:stCondLst>
+                                        </p:cTn>
+                                        <p:tgtEl>
+                                          <p:spTgt spid="4"/>
+                                        </p:tgtEl>
+                                        <p:attrNameLst>
+                                          <p:attrName>style.visibility</p:attrName>
+                                        </p:attrNameLst>
+                                      </p:cBhvr>
+                                      <p:to>
+                                        <p:strVal val="visible"/>
+                                      </p:to>
+                                    </p:set>
+                                  </p:childTnLst>
+                                </p:cTn>
+                              </p:par>
+                            </p:childTnLst>
+                          </p:cTn>
+                        </p:par>
+                      </p:childTnLst>
+                    </p:cTn>
+                  </p:par>
+                  <p:par>
+                    <p:cTn id="15" fill="hold">
+                      <p:stCondLst>
+                        <p:cond delay="indefinite"/>
+                      </p:stCondLst>
+                      <p:childTnLst>
+                        <p:par>
+                          <p:cTn id="16" fill="hold">
+                            <p:stCondLst>
+                              <p:cond delay="0"/>
+                            </p:stCondLst>
+                            <p:childTnLst>
+                              <p:par>
+                                <p:cTn id="17" presetID="1" presetClass="exit" presetSubtype="0" fill="hold" grpId="1" nodeType="clickEffect">
+                                  <p:stCondLst>
+                                    <p:cond delay="0"/>
+                                  </p:stCondLst>
+                                  <p:childTnLst>
+                                    <p:set>
+                                      <p:cBhvr>
+                                        <p:cTn id="18" dur="1" fill="hold">
+                                          <p:stCondLst>
+                                            <p:cond delay="0"/>
+                                          </p:stCondLst>
+                                        </p:cTn>
+                                        <p:tgtEl>
+                                          <p:spTgt spid="4"/>
+                                        </p:tgtEl>
+                                        <p:attrNameLst>
+                                          <p:attrName>style.visibility</p:attrName>
+                                        </p:attrNameLst>
+                                      </p:cBhvr>
+                                      <p:to>
+                                        <p:strVal val="hidden"/>
+                                      </p:to>
+                                    </p:set>
+                                  </p:childTnLst>
+                                </p:cTn>
+                              </p:par>
+                            </p:childTnLst>
+                          </p:cTn>
+                        </p:par>
+                      </p:childTnLst>
+                    </p:cTn>
+                  </p:par>
+                  <p:par>
+                    <p:cTn id="19" fill="hold">
+                      <p:stCondLst>
+                        <p:cond delay="indefinite"/>
+                      </p:stCondLst>
+                      <p:childTnLst>
+                        <p:par>
+                          <p:cTn id="20" fill="hold">
+                            <p:stCondLst>
+                              <p:cond delay="0"/>
+                            </p:stCondLst>
+                            <p:childTnLst>
+                              <p:par>
+                                <p:cTn id="21" presetID="1" presetClass="entr" presetSubtype="0" fill="hold" grpId="0" nodeType="clickEffect">
+                                  <p:stCondLst>
+                                    <p:cond delay="0"/>
+                                  </p:stCondLst>
+                                  <p:childTnLst>
+                                    <p:set>
+                                      <p:cBhvr>
+                                        <p:cTn id="22" dur="1" fill="hold">
+                                          <p:stCondLst>
+                                            <p:cond delay="0"/>
+                                          </p:stCondLst>
+                                        </p:cTn>
+                                        <p:tgtEl>
+                                          <p:spTgt spid="6"/>
+                                        </p:tgtEl>
+                                        <p:attrNameLst>
+                                          <p:attrName>style.visibility</p:attrName>
+                                        </p:attrNameLst>
+                                      </p:cBhvr>
+                                      <p:to>
+                                        <p:strVal val="visible"/>
+                                      </p:to>
+                                    </p:set>
+                                  </p:childTnLst>
+                                </p:cTn>
+                              </p:par>
+                            </p:childTnLst>
+                          </p:cTn>
+                        </p:par>
+                      </p:childTnLst>
+                    </p:cTn>
+                  </p:par>
+                  <p:par>
+                    <p:cTn id="23" fill="hold">
+                      <p:stCondLst>
+                        <p:cond delay="indefinite"/>
+                      </p:stCondLst>
+                      <p:childTnLst>
+                        <p:par>
+                          <p:cTn id="24" fill="hold">
+                            <p:stCondLst>
+                              <p:cond delay="0"/>
+                            </p:stCondLst>
+                            <p:childTnLst>
+                              <p:par>
+                                <p:cTn id="25" presetID="1" presetClass="exit" presetSubtype="0" fill="hold" grpId="1" nodeType="clickEffect">
+                                  <p:stCondLst>
+                                    <p:cond delay="0"/>
+                                  </p:stCondLst>
+                                  <p:childTnLst>
+                                    <p:set>
+                                      <p:cBhvr>
+                                        <p:cTn id="26" dur="1" fill="hold">
+                                          <p:stCondLst>
+                                            <p:cond delay="0"/>
+                                          </p:stCondLst>
+                                        </p:cTn>
+                                        <p:tgtEl>
+                                          <p:spTgt spid="6"/>
+                                        </p:tgtEl>
+                                        <p:attrNameLst>
+                                          <p:attrName>style.visibility</p:attrName>
+                                        </p:attrNameLst>
+                                      </p:cBhvr>
+                                      <p:to>
+                                        <p:strVal val="hidden"/>
+                                      </p:to>
+                                    </p:set>
+                                  </p:childTnLst>
+                                </p:cTn>
+                              </p:par>
+                            </p:childTnLst>
+                          </p:cTn>
+                        </p:par>
+                      </p:childTnLst>
+                    </p:cTn>
+                  </p:par>
                 </p:childTnLst>
               </p:cTn>
               <p:prevCondLst>
@@ -17814,6 +18169,12 @@
         </p:cTn>
       </p:par>
     </p:tnLst>
+    <p:bldLst>
+      <p:bldP spid="4" grpId="0" animBg="1"/>
+      <p:bldP spid="4" grpId="1" animBg="1"/>
+      <p:bldP spid="6" grpId="0" animBg="1"/>
+      <p:bldP spid="6" grpId="1" animBg="1"/>
+    </p:bldLst>
   </p:timing>
 </p:sld>
 </file>
@@ -19424,7 +19785,7 @@
         </p:nvSpPr>
         <p:spPr>
           <a:xfrm>
-            <a:off x="5661329" y="6077589"/>
+            <a:off x="5621063" y="6077589"/>
             <a:ext cx="500932" cy="253916"/>
           </a:xfrm>
           <a:prstGeom prst="rect">
@@ -21158,26 +21519,6 @@
             </a:r>
             <a:r>
               <a:rPr lang="en-CA" sz="2400" b="0" dirty="0">
-                <a:solidFill>
-                  <a:srgbClr val="FFFFFF"/>
-                </a:solidFill>
-                <a:effectLst/>
-                <a:latin typeface="Menlo" panose="020B0609030804020204" pitchFamily="49" charset="0"/>
-              </a:rPr>
-              <a:t>$</a:t>
-            </a:r>
-            <a:r>
-              <a:rPr lang="en-CA" sz="2400" b="0" dirty="0">
-                <a:solidFill>
-                  <a:srgbClr val="9CDCFE"/>
-                </a:solidFill>
-                <a:effectLst/>
-                <a:latin typeface="Menlo" panose="020B0609030804020204" pitchFamily="49" charset="0"/>
-              </a:rPr>
-              <a:t>coefficients</a:t>
-            </a:r>
-            <a:r>
-              <a:rPr lang="en-CA" sz="2400" b="0" dirty="0">
                 <a:effectLst/>
                 <a:latin typeface="Menlo" panose="020B0609030804020204" pitchFamily="49" charset="0"/>
               </a:rPr>
@@ -21501,33 +21842,15 @@
                                   </p:childTnLst>
                                 </p:cTn>
                               </p:par>
-                            </p:childTnLst>
-                          </p:cTn>
-                        </p:par>
-                      </p:childTnLst>
-                    </p:cTn>
-                  </p:par>
-                  <p:par>
-                    <p:cTn id="9" fill="hold">
-                      <p:stCondLst>
-                        <p:cond delay="indefinite"/>
-                      </p:stCondLst>
-                      <p:childTnLst>
-                        <p:par>
-                          <p:cTn id="10" fill="hold">
-                            <p:stCondLst>
-                              <p:cond delay="0"/>
-                            </p:stCondLst>
-                            <p:childTnLst>
                               <p:par>
-                                <p:cTn id="11" presetID="1" presetClass="entr" presetSubtype="0" fill="hold" nodeType="clickEffect">
+                                <p:cTn id="9" presetID="1" presetClass="entr" presetSubtype="0" fill="hold" nodeType="withEffect">
                                   <p:stCondLst>
                                     <p:cond delay="0"/>
                                   </p:stCondLst>
                                   <p:childTnLst>
                                     <p:set>
                                       <p:cBhvr>
-                                        <p:cTn id="12" dur="1" fill="hold">
+                                        <p:cTn id="10" dur="1" fill="hold">
                                           <p:stCondLst>
                                             <p:cond delay="0"/>
                                           </p:stCondLst>
@@ -25568,6 +25891,73 @@
           </a:p>
         </p:txBody>
       </p:sp>
+      <p:pic>
+        <p:nvPicPr>
+          <p:cNvPr id="3" name="Picture 2">
+            <a:extLst>
+              <a:ext uri="{FF2B5EF4-FFF2-40B4-BE49-F238E27FC236}">
+                <a16:creationId xmlns:a16="http://schemas.microsoft.com/office/drawing/2014/main" id="{8EEED632-272A-E2DE-3839-F9363EC8B5C7}"/>
+              </a:ext>
+            </a:extLst>
+          </p:cNvPr>
+          <p:cNvPicPr>
+            <a:picLocks noChangeAspect="1"/>
+          </p:cNvPicPr>
+          <p:nvPr/>
+        </p:nvPicPr>
+        <p:blipFill>
+          <a:blip r:embed="rId3"/>
+          <a:srcRect/>
+          <a:stretch/>
+        </p:blipFill>
+        <p:spPr>
+          <a:xfrm>
+            <a:off x="10668000" y="247504"/>
+            <a:ext cx="1303179" cy="1657643"/>
+          </a:xfrm>
+          <a:prstGeom prst="rect">
+            <a:avLst/>
+          </a:prstGeom>
+        </p:spPr>
+      </p:pic>
+      <p:sp>
+        <p:nvSpPr>
+          <p:cNvPr id="5" name="TextBox 4">
+            <a:extLst>
+              <a:ext uri="{FF2B5EF4-FFF2-40B4-BE49-F238E27FC236}">
+                <a16:creationId xmlns:a16="http://schemas.microsoft.com/office/drawing/2014/main" id="{509E9FBF-D53F-B78C-F5EE-3BB5084D313B}"/>
+              </a:ext>
+            </a:extLst>
+          </p:cNvPr>
+          <p:cNvSpPr txBox="1"/>
+          <p:nvPr/>
+        </p:nvSpPr>
+        <p:spPr>
+          <a:xfrm>
+            <a:off x="10766099" y="1489777"/>
+            <a:ext cx="1131143" cy="400110"/>
+          </a:xfrm>
+          <a:prstGeom prst="rect">
+            <a:avLst/>
+          </a:prstGeom>
+          <a:noFill/>
+        </p:spPr>
+        <p:txBody>
+          <a:bodyPr wrap="none" rtlCol="0">
+            <a:spAutoFit/>
+          </a:bodyPr>
+          <a:lstStyle/>
+          <a:p>
+            <a:r>
+              <a:rPr lang="en-US" sz="2000" dirty="0">
+                <a:latin typeface="Calibri Light" panose="020F0302020204030204" pitchFamily="34" charset="0"/>
+                <a:cs typeface="Calibri Light" panose="020F0302020204030204" pitchFamily="34" charset="0"/>
+              </a:rPr>
+              <a:t>Scan me!</a:t>
+            </a:r>
+          </a:p>
+        </p:txBody>
+      </p:sp>
     </p:spTree>
     <p:extLst>
       <p:ext uri="{BB962C8B-B14F-4D97-AF65-F5344CB8AC3E}">
@@ -28637,8 +29027,8 @@
           <a:chExt cx="0" cy="0"/>
         </a:xfrm>
       </p:grpSpPr>
-      <mc:AlternateContent xmlns:mc="http://schemas.openxmlformats.org/markup-compatibility/2006">
-        <mc:Choice xmlns:a14="http://schemas.microsoft.com/office/drawing/2010/main" Requires="a14">
+      <mc:AlternateContent xmlns:mc="http://schemas.openxmlformats.org/markup-compatibility/2006" xmlns:a14="http://schemas.microsoft.com/office/drawing/2010/main">
+        <mc:Choice Requires="a14">
           <p:sp>
             <p:nvSpPr>
               <p:cNvPr id="2" name="Title 1">
@@ -28693,7 +29083,7 @@
             </p:txBody>
           </p:sp>
         </mc:Choice>
-        <mc:Fallback>
+        <mc:Fallback xmlns="">
           <p:sp>
             <p:nvSpPr>
               <p:cNvPr id="2" name="Title 1">
@@ -28733,8 +29123,8 @@
           </p:sp>
         </mc:Fallback>
       </mc:AlternateContent>
-      <mc:AlternateContent xmlns:mc="http://schemas.openxmlformats.org/markup-compatibility/2006">
-        <mc:Choice xmlns:a14="http://schemas.microsoft.com/office/drawing/2010/main" Requires="a14">
+      <mc:AlternateContent xmlns:mc="http://schemas.openxmlformats.org/markup-compatibility/2006" xmlns:a14="http://schemas.microsoft.com/office/drawing/2010/main">
+        <mc:Choice Requires="a14">
           <p:sp>
             <p:nvSpPr>
               <p:cNvPr id="3" name="Content Placeholder 2">
@@ -29226,7 +29616,7 @@
             </p:txBody>
           </p:sp>
         </mc:Choice>
-        <mc:Fallback>
+        <mc:Fallback xmlns="">
           <p:sp>
             <p:nvSpPr>
               <p:cNvPr id="3" name="Content Placeholder 2">
@@ -30235,8 +30625,8 @@
           </a:p>
         </p:txBody>
       </p:sp>
-      <mc:AlternateContent xmlns:mc="http://schemas.openxmlformats.org/markup-compatibility/2006">
-        <mc:Choice xmlns:a14="http://schemas.microsoft.com/office/drawing/2010/main" Requires="a14">
+      <mc:AlternateContent xmlns:mc="http://schemas.openxmlformats.org/markup-compatibility/2006" xmlns:a14="http://schemas.microsoft.com/office/drawing/2010/main">
+        <mc:Choice Requires="a14">
           <p:sp>
             <p:nvSpPr>
               <p:cNvPr id="3" name="Content Placeholder 2">
@@ -30421,7 +30811,7 @@
             </p:txBody>
           </p:sp>
         </mc:Choice>
-        <mc:Fallback>
+        <mc:Fallback xmlns="">
           <p:sp>
             <p:nvSpPr>
               <p:cNvPr id="3" name="Content Placeholder 2">
@@ -30631,8 +31021,8 @@
           <a:chExt cx="0" cy="0"/>
         </a:xfrm>
       </p:grpSpPr>
-      <mc:AlternateContent xmlns:mc="http://schemas.openxmlformats.org/markup-compatibility/2006">
-        <mc:Choice xmlns:a14="http://schemas.microsoft.com/office/drawing/2010/main" Requires="a14">
+      <mc:AlternateContent xmlns:mc="http://schemas.openxmlformats.org/markup-compatibility/2006" xmlns:a14="http://schemas.microsoft.com/office/drawing/2010/main">
+        <mc:Choice Requires="a14">
           <p:sp>
             <p:nvSpPr>
               <p:cNvPr id="3" name="Content Placeholder 2">
@@ -31103,7 +31493,7 @@
             </p:txBody>
           </p:sp>
         </mc:Choice>
-        <mc:Fallback>
+        <mc:Fallback xmlns="">
           <p:sp>
             <p:nvSpPr>
               <p:cNvPr id="3" name="Content Placeholder 2">
@@ -31230,8 +31620,8 @@
           <a:chExt cx="0" cy="0"/>
         </a:xfrm>
       </p:grpSpPr>
-      <mc:AlternateContent xmlns:mc="http://schemas.openxmlformats.org/markup-compatibility/2006">
-        <mc:Choice xmlns:a14="http://schemas.microsoft.com/office/drawing/2010/main" Requires="a14">
+      <mc:AlternateContent xmlns:mc="http://schemas.openxmlformats.org/markup-compatibility/2006" xmlns:a14="http://schemas.microsoft.com/office/drawing/2010/main">
+        <mc:Choice Requires="a14">
           <p:sp>
             <p:nvSpPr>
               <p:cNvPr id="3" name="Content Placeholder 2">
@@ -31772,7 +32162,7 @@
             </p:txBody>
           </p:sp>
         </mc:Choice>
-        <mc:Fallback>
+        <mc:Fallback xmlns="">
           <p:sp>
             <p:nvSpPr>
               <p:cNvPr id="3" name="Content Placeholder 2">
@@ -31853,8 +32243,8 @@
           </a:p>
         </p:txBody>
       </p:sp>
-      <mc:AlternateContent xmlns:mc="http://schemas.openxmlformats.org/markup-compatibility/2006">
-        <mc:Choice xmlns:a14="http://schemas.microsoft.com/office/drawing/2010/main" Requires="a14">
+      <mc:AlternateContent xmlns:mc="http://schemas.openxmlformats.org/markup-compatibility/2006" xmlns:a14="http://schemas.microsoft.com/office/drawing/2010/main">
+        <mc:Choice Requires="a14">
           <p:sp>
             <p:nvSpPr>
               <p:cNvPr id="2" name="TextBox 1">
@@ -32107,7 +32497,7 @@
             </p:txBody>
           </p:sp>
         </mc:Choice>
-        <mc:Fallback>
+        <mc:Fallback xmlns="">
           <p:sp>
             <p:nvSpPr>
               <p:cNvPr id="2" name="TextBox 1">
@@ -32412,36 +32802,6 @@
       </p:pic>
       <p:pic>
         <p:nvPicPr>
-          <p:cNvPr id="10" name="Picture 9" descr="A qr code on a white background&#10;&#10;Description automatically generated">
-            <a:extLst>
-              <a:ext uri="{FF2B5EF4-FFF2-40B4-BE49-F238E27FC236}">
-                <a16:creationId xmlns:a16="http://schemas.microsoft.com/office/drawing/2014/main" id="{9B470CA9-7946-CFEC-FBB5-2021C7A2E15E}"/>
-              </a:ext>
-            </a:extLst>
-          </p:cNvPr>
-          <p:cNvPicPr>
-            <a:picLocks noChangeAspect="1"/>
-          </p:cNvPicPr>
-          <p:nvPr/>
-        </p:nvPicPr>
-        <p:blipFill>
-          <a:blip r:embed="rId4"/>
-          <a:stretch>
-            <a:fillRect/>
-          </a:stretch>
-        </p:blipFill>
-        <p:spPr>
-          <a:xfrm>
-            <a:off x="10081162" y="4997626"/>
-            <a:ext cx="930215" cy="1183234"/>
-          </a:xfrm>
-          <a:prstGeom prst="rect">
-            <a:avLst/>
-          </a:prstGeom>
-        </p:spPr>
-      </p:pic>
-      <p:pic>
-        <p:nvPicPr>
           <p:cNvPr id="3076" name="Picture 4" descr="Hand drawn cartoon dollar sign illustration | Free Vector">
             <a:extLst>
               <a:ext uri="{FF2B5EF4-FFF2-40B4-BE49-F238E27FC236}">
@@ -32455,7 +32815,7 @@
           <p:nvPr/>
         </p:nvPicPr>
         <p:blipFill rotWithShape="1">
-          <a:blip r:embed="rId5">
+          <a:blip r:embed="rId4">
             <a:extLst>
               <a:ext uri="{28A0092B-C50C-407E-A947-70E740481C1C}">
                 <a14:useLocalDpi xmlns:a14="http://schemas.microsoft.com/office/drawing/2010/main" val="0"/>
